--- a/springboot视频网站实战开发/1.教程介绍/1.教程介绍.pptx
+++ b/springboot视频网站实战开发/1.教程介绍/1.教程介绍.pptx
@@ -36842,7 +36842,7 @@
         </p:nvSpPr>
         <p:spPr>
           <a:xfrm>
-            <a:off x="0" y="2283718"/>
+            <a:off x="89535" y="1531243"/>
             <a:ext cx="9144000" cy="829945"/>
           </a:xfrm>
           <a:prstGeom prst="rect">
@@ -36906,6 +36906,100 @@
               <a:ea typeface="宋体" panose="02010600030101010101" pitchFamily="2" charset="-122"/>
               <a:cs typeface="微软雅黑" panose="020B0503020204020204" charset="-122"/>
             </a:endParaRPr>
+          </a:p>
+        </p:txBody>
+      </p:sp>
+      <p:sp>
+        <p:nvSpPr>
+          <p:cNvPr id="3" name="文本框 2"/>
+          <p:cNvSpPr txBox="1"/>
+          <p:nvPr/>
+        </p:nvSpPr>
+        <p:spPr>
+          <a:xfrm>
+            <a:off x="2875915" y="2202815"/>
+            <a:ext cx="3362960" cy="368300"/>
+          </a:xfrm>
+          <a:prstGeom prst="rect">
+            <a:avLst/>
+          </a:prstGeom>
+          <a:noFill/>
+        </p:spPr>
+        <p:txBody>
+          <a:bodyPr wrap="none" rtlCol="0">
+            <a:spAutoFit/>
+          </a:bodyPr>
+          <a:p>
+            <a:r>
+              <a:rPr lang="zh-CN" altLang="en-US"/>
+              <a:t>作者：高露     </a:t>
+            </a:r>
+            <a:r>
+              <a:rPr lang="en-US" altLang="zh-CN"/>
+              <a:t>QQ</a:t>
+            </a:r>
+            <a:r>
+              <a:rPr lang="zh-CN" altLang="en-US"/>
+              <a:t>：</a:t>
+            </a:r>
+            <a:r>
+              <a:rPr lang="en-US" altLang="zh-CN"/>
+              <a:t>408365330</a:t>
+            </a:r>
+            <a:endParaRPr lang="en-US" altLang="zh-CN"/>
+          </a:p>
+        </p:txBody>
+      </p:sp>
+      <p:pic>
+        <p:nvPicPr>
+          <p:cNvPr id="4" name="图片 3" descr="qrcode_for_gh_54928616c96a_258"/>
+          <p:cNvPicPr>
+            <a:picLocks noChangeAspect="1"/>
+          </p:cNvPicPr>
+          <p:nvPr/>
+        </p:nvPicPr>
+        <p:blipFill>
+          <a:blip r:embed="rId1"/>
+          <a:stretch>
+            <a:fillRect/>
+          </a:stretch>
+        </p:blipFill>
+        <p:spPr>
+          <a:xfrm>
+            <a:off x="3796030" y="3381375"/>
+            <a:ext cx="1730375" cy="1730375"/>
+          </a:xfrm>
+          <a:prstGeom prst="rect">
+            <a:avLst/>
+          </a:prstGeom>
+        </p:spPr>
+      </p:pic>
+      <p:sp>
+        <p:nvSpPr>
+          <p:cNvPr id="5" name="文本框 4"/>
+          <p:cNvSpPr txBox="1"/>
+          <p:nvPr/>
+        </p:nvSpPr>
+        <p:spPr>
+          <a:xfrm>
+            <a:off x="3084195" y="3013075"/>
+            <a:ext cx="3154680" cy="368300"/>
+          </a:xfrm>
+          <a:prstGeom prst="rect">
+            <a:avLst/>
+          </a:prstGeom>
+          <a:noFill/>
+        </p:spPr>
+        <p:txBody>
+          <a:bodyPr wrap="none" rtlCol="0">
+            <a:spAutoFit/>
+          </a:bodyPr>
+          <a:p>
+            <a:r>
+              <a:rPr lang="zh-CN" altLang="en-US"/>
+              <a:t>扫描关注公众号获取更多视频</a:t>
+            </a:r>
+            <a:endParaRPr lang="zh-CN" altLang="en-US"/>
           </a:p>
         </p:txBody>
       </p:sp>
